--- a/sass Schulung.pptx
+++ b/sass Schulung.pptx
@@ -113,6 +113,11 @@
       </a:defRPr>
     </a:lvl9pPr>
   </p:defaultTextStyle>
+  <p:extLst>
+    <p:ext uri="{EFAFB233-063F-42B5-8137-9DF3F51BA10A}">
+      <p15:sldGuideLst xmlns:p15="http://schemas.microsoft.com/office/powerpoint/2012/main"/>
+    </p:ext>
+  </p:extLst>
 </p:presentation>
 </file>
 
@@ -390,7 +395,7 @@
           <a:p>
             <a:fld id="{78ABE3C1-DBE1-495D-B57B-2849774B866A}" type="datetimeFigureOut">
               <a:rPr lang="en-US" dirty="0"/>
-              <a:t>3/26/19</a:t>
+              <a:t>3/27/19</a:t>
             </a:fld>
             <a:endParaRPr lang="en-US" dirty="0"/>
           </a:p>
@@ -437,7 +442,7 @@
           <a:p>
             <a:fld id="{6D22F896-40B5-4ADD-8801-0D06FADFA095}" type="slidenum">
               <a:rPr lang="en-US" dirty="0"/>
-              <a:t>‹Nr.›</a:t>
+              <a:t>‹#›</a:t>
             </a:fld>
             <a:endParaRPr lang="en-US" dirty="0"/>
           </a:p>
@@ -804,7 +809,7 @@
           <a:p>
             <a:fld id="{446C117F-5CCF-4837-BE5F-2B92066CAFAF}" type="datetimeFigureOut">
               <a:rPr lang="en-US" dirty="0"/>
-              <a:t>3/26/19</a:t>
+              <a:t>3/27/19</a:t>
             </a:fld>
             <a:endParaRPr lang="en-US" dirty="0"/>
           </a:p>
@@ -851,7 +856,7 @@
           <a:p>
             <a:fld id="{6D22F896-40B5-4ADD-8801-0D06FADFA095}" type="slidenum">
               <a:rPr lang="en-US" dirty="0"/>
-              <a:t>‹Nr.›</a:t>
+              <a:t>‹#›</a:t>
             </a:fld>
             <a:endParaRPr lang="en-US" dirty="0"/>
           </a:p>
@@ -1140,7 +1145,7 @@
           <a:p>
             <a:fld id="{84EB90BD-B6CE-46B7-997F-7313B992CCDC}" type="datetimeFigureOut">
               <a:rPr lang="en-US" dirty="0"/>
-              <a:t>3/26/19</a:t>
+              <a:t>3/27/19</a:t>
             </a:fld>
             <a:endParaRPr lang="en-US" dirty="0"/>
           </a:p>
@@ -1187,7 +1192,7 @@
           <a:p>
             <a:fld id="{6D22F896-40B5-4ADD-8801-0D06FADFA095}" type="slidenum">
               <a:rPr lang="en-US" dirty="0"/>
-              <a:t>‹Nr.›</a:t>
+              <a:t>‹#›</a:t>
             </a:fld>
             <a:endParaRPr lang="en-US" dirty="0"/>
           </a:p>
@@ -1550,7 +1555,7 @@
           <a:p>
             <a:fld id="{CDB9D11F-B188-461D-B23F-39381795C052}" type="datetimeFigureOut">
               <a:rPr lang="en-US" dirty="0"/>
-              <a:t>3/26/19</a:t>
+              <a:t>3/27/19</a:t>
             </a:fld>
             <a:endParaRPr lang="en-US" dirty="0"/>
           </a:p>
@@ -1597,7 +1602,7 @@
           <a:p>
             <a:fld id="{6D22F896-40B5-4ADD-8801-0D06FADFA095}" type="slidenum">
               <a:rPr lang="en-US" dirty="0"/>
-              <a:t>‹Nr.›</a:t>
+              <a:t>‹#›</a:t>
             </a:fld>
             <a:endParaRPr lang="en-US" dirty="0"/>
           </a:p>
@@ -2118,7 +2123,7 @@
           <a:p>
             <a:fld id="{52E6D8D9-55A2-4063-B0F3-121F44549695}" type="datetimeFigureOut">
               <a:rPr lang="en-US" dirty="0"/>
-              <a:t>3/26/19</a:t>
+              <a:t>3/27/19</a:t>
             </a:fld>
             <a:endParaRPr lang="en-US" dirty="0"/>
           </a:p>
@@ -2165,7 +2170,7 @@
           <a:p>
             <a:fld id="{6D22F896-40B5-4ADD-8801-0D06FADFA095}" type="slidenum">
               <a:rPr lang="en-US" dirty="0"/>
-              <a:t>‹Nr.›</a:t>
+              <a:t>‹#›</a:t>
             </a:fld>
             <a:endParaRPr lang="en-US" dirty="0"/>
           </a:p>
@@ -2824,7 +2829,7 @@
           <a:p>
             <a:fld id="{D4B24536-994D-4021-A283-9F449C0DB509}" type="datetimeFigureOut">
               <a:rPr lang="en-US" dirty="0"/>
-              <a:t>3/26/19</a:t>
+              <a:t>3/27/19</a:t>
             </a:fld>
             <a:endParaRPr lang="en-US" dirty="0"/>
           </a:p>
@@ -2866,7 +2871,7 @@
           <a:p>
             <a:fld id="{6D22F896-40B5-4ADD-8801-0D06FADFA095}" type="slidenum">
               <a:rPr lang="en-US" dirty="0"/>
-              <a:t>‹Nr.›</a:t>
+              <a:t>‹#›</a:t>
             </a:fld>
             <a:endParaRPr lang="en-US" dirty="0"/>
           </a:p>
@@ -3762,7 +3767,7 @@
           <a:p>
             <a:fld id="{3CBBBB78-C96F-47B7-AB17-D852CA960AC9}" type="datetimeFigureOut">
               <a:rPr lang="en-US" dirty="0"/>
-              <a:t>3/26/19</a:t>
+              <a:t>3/27/19</a:t>
             </a:fld>
             <a:endParaRPr lang="en-US" dirty="0"/>
           </a:p>
@@ -3804,7 +3809,7 @@
           <a:p>
             <a:fld id="{6D22F896-40B5-4ADD-8801-0D06FADFA095}" type="slidenum">
               <a:rPr lang="en-US" dirty="0"/>
-              <a:t>‹Nr.›</a:t>
+              <a:t>‹#›</a:t>
             </a:fld>
             <a:endParaRPr lang="en-US" dirty="0"/>
           </a:p>
@@ -4046,7 +4051,7 @@
           <a:p>
             <a:fld id="{1FA3F48C-C7C6-4055-9F49-3777875E72AE}" type="datetimeFigureOut">
               <a:rPr lang="en-US" dirty="0"/>
-              <a:t>3/26/19</a:t>
+              <a:t>3/27/19</a:t>
             </a:fld>
             <a:endParaRPr lang="en-US" dirty="0"/>
           </a:p>
@@ -4088,7 +4093,7 @@
           <a:p>
             <a:fld id="{6D22F896-40B5-4ADD-8801-0D06FADFA095}" type="slidenum">
               <a:rPr lang="en-US" dirty="0"/>
-              <a:t>‹Nr.›</a:t>
+              <a:t>‹#›</a:t>
             </a:fld>
             <a:endParaRPr lang="en-US" dirty="0"/>
           </a:p>
@@ -4281,7 +4286,7 @@
           <a:p>
             <a:fld id="{6178E61D-D431-422C-9764-11DAFE33AB63}" type="datetimeFigureOut">
               <a:rPr lang="en-US" dirty="0"/>
-              <a:t>3/26/19</a:t>
+              <a:t>3/27/19</a:t>
             </a:fld>
             <a:endParaRPr lang="en-US" dirty="0"/>
           </a:p>
@@ -4338,7 +4343,7 @@
             <a:fld id="{6D22F896-40B5-4ADD-8801-0D06FADFA095}" type="slidenum">
               <a:rPr lang="en-US" dirty="0"/>
               <a:pPr/>
-              <a:t>‹Nr.›</a:t>
+              <a:t>‹#›</a:t>
             </a:fld>
             <a:endParaRPr lang="en-US" dirty="0"/>
           </a:p>
@@ -4576,7 +4581,7 @@
           <a:p>
             <a:fld id="{12DE42F4-6EEF-4EF7-8ED4-2208F0F89A08}" type="datetimeFigureOut">
               <a:rPr lang="en-US" dirty="0"/>
-              <a:t>3/26/19</a:t>
+              <a:t>3/27/19</a:t>
             </a:fld>
             <a:endParaRPr lang="en-US" dirty="0"/>
           </a:p>
@@ -4618,7 +4623,7 @@
           <a:p>
             <a:fld id="{6D22F896-40B5-4ADD-8801-0D06FADFA095}" type="slidenum">
               <a:rPr lang="en-US" dirty="0"/>
-              <a:t>‹Nr.›</a:t>
+              <a:t>‹#›</a:t>
             </a:fld>
             <a:endParaRPr lang="en-US" dirty="0"/>
           </a:p>
@@ -4965,7 +4970,7 @@
           <a:p>
             <a:fld id="{30578ACC-22D6-47C1-A373-4FD133E34F3C}" type="datetimeFigureOut">
               <a:rPr lang="en-US" dirty="0"/>
-              <a:t>3/26/19</a:t>
+              <a:t>3/27/19</a:t>
             </a:fld>
             <a:endParaRPr lang="en-US" dirty="0"/>
           </a:p>
@@ -5012,7 +5017,7 @@
           <a:p>
             <a:fld id="{6D22F896-40B5-4ADD-8801-0D06FADFA095}" type="slidenum">
               <a:rPr lang="en-US" dirty="0"/>
-              <a:t>‹Nr.›</a:t>
+              <a:t>‹#›</a:t>
             </a:fld>
             <a:endParaRPr lang="en-US" dirty="0"/>
           </a:p>
@@ -5288,7 +5293,7 @@
           <a:p>
             <a:fld id="{4E5A6C69-6797-4E8A-BF37-F2C3751466E9}" type="datetimeFigureOut">
               <a:rPr lang="en-US" dirty="0"/>
-              <a:t>3/26/19</a:t>
+              <a:t>3/27/19</a:t>
             </a:fld>
             <a:endParaRPr lang="en-US" dirty="0"/>
           </a:p>
@@ -5330,7 +5335,7 @@
           <a:p>
             <a:fld id="{6D22F896-40B5-4ADD-8801-0D06FADFA095}" type="slidenum">
               <a:rPr lang="en-US" dirty="0"/>
-              <a:t>‹Nr.›</a:t>
+              <a:t>‹#›</a:t>
             </a:fld>
             <a:endParaRPr lang="en-US" dirty="0"/>
           </a:p>
@@ -5751,7 +5756,7 @@
           <a:p>
             <a:fld id="{D82014A1-A632-4878-A0D3-F52BA7563730}" type="datetimeFigureOut">
               <a:rPr lang="en-US" dirty="0"/>
-              <a:t>3/26/19</a:t>
+              <a:t>3/27/19</a:t>
             </a:fld>
             <a:endParaRPr lang="en-US" dirty="0"/>
           </a:p>
@@ -5793,7 +5798,7 @@
           <a:p>
             <a:fld id="{6D22F896-40B5-4ADD-8801-0D06FADFA095}" type="slidenum">
               <a:rPr lang="en-US" dirty="0"/>
-              <a:t>‹Nr.›</a:t>
+              <a:t>‹#›</a:t>
             </a:fld>
             <a:endParaRPr lang="en-US" dirty="0"/>
           </a:p>
@@ -6003,7 +6008,7 @@
           <a:p>
             <a:fld id="{CE99F462-093F-4566-844B-4C71F2739DA5}" type="datetimeFigureOut">
               <a:rPr lang="en-US" dirty="0"/>
-              <a:t>3/26/19</a:t>
+              <a:t>3/27/19</a:t>
             </a:fld>
             <a:endParaRPr lang="en-US" dirty="0"/>
           </a:p>
@@ -6045,7 +6050,7 @@
           <a:p>
             <a:fld id="{6D22F896-40B5-4ADD-8801-0D06FADFA095}" type="slidenum">
               <a:rPr lang="en-US" dirty="0"/>
-              <a:t>‹Nr.›</a:t>
+              <a:t>‹#›</a:t>
             </a:fld>
             <a:endParaRPr lang="en-US" dirty="0"/>
           </a:p>
@@ -6161,7 +6166,7 @@
           <a:p>
             <a:fld id="{3D24A7AC-904D-4781-85BA-7D10C17ED021}" type="datetimeFigureOut">
               <a:rPr lang="en-US" dirty="0"/>
-              <a:t>3/26/19</a:t>
+              <a:t>3/27/19</a:t>
             </a:fld>
             <a:endParaRPr lang="en-US" dirty="0"/>
           </a:p>
@@ -6203,7 +6208,7 @@
           <a:p>
             <a:fld id="{6D22F896-40B5-4ADD-8801-0D06FADFA095}" type="slidenum">
               <a:rPr lang="en-US" dirty="0"/>
-              <a:t>‹Nr.›</a:t>
+              <a:t>‹#›</a:t>
             </a:fld>
             <a:endParaRPr lang="en-US" dirty="0"/>
           </a:p>
@@ -6527,7 +6532,7 @@
           <a:p>
             <a:fld id="{E331444B-B92B-4E27-8C94-BB93EAF5CB18}" type="datetimeFigureOut">
               <a:rPr lang="en-US" dirty="0"/>
-              <a:t>3/26/19</a:t>
+              <a:t>3/27/19</a:t>
             </a:fld>
             <a:endParaRPr lang="en-US" dirty="0"/>
           </a:p>
@@ -6569,7 +6574,7 @@
           <a:p>
             <a:fld id="{6D22F896-40B5-4ADD-8801-0D06FADFA095}" type="slidenum">
               <a:rPr lang="en-US" dirty="0"/>
-              <a:t>‹Nr.›</a:t>
+              <a:t>‹#›</a:t>
             </a:fld>
             <a:endParaRPr lang="en-US" dirty="0"/>
           </a:p>
@@ -6936,7 +6941,7 @@
           <a:p>
             <a:fld id="{363EFA5E-FA76-400D-B3DC-F0BA90E6D107}" type="datetimeFigureOut">
               <a:rPr lang="en-US" dirty="0"/>
-              <a:t>3/26/19</a:t>
+              <a:t>3/27/19</a:t>
             </a:fld>
             <a:endParaRPr lang="en-US" dirty="0"/>
           </a:p>
@@ -6978,7 +6983,7 @@
           <a:p>
             <a:fld id="{6D22F896-40B5-4ADD-8801-0D06FADFA095}" type="slidenum">
               <a:rPr lang="en-US" dirty="0"/>
-              <a:t>‹Nr.›</a:t>
+              <a:t>‹#›</a:t>
             </a:fld>
             <a:endParaRPr lang="en-US" dirty="0"/>
           </a:p>
@@ -7151,7 +7156,7 @@
           <a:p>
             <a:fld id="{9D6E9DEC-419B-4CC5-A080-3B06BD5A8291}" type="datetimeFigureOut">
               <a:rPr lang="en-US" dirty="0"/>
-              <a:t>3/26/19</a:t>
+              <a:t>3/27/19</a:t>
             </a:fld>
             <a:endParaRPr lang="en-US" dirty="0"/>
           </a:p>
@@ -7230,7 +7235,7 @@
             <a:fld id="{6D22F896-40B5-4ADD-8801-0D06FADFA095}" type="slidenum">
               <a:rPr lang="en-US" dirty="0"/>
               <a:pPr/>
-              <a:t>‹Nr.›</a:t>
+              <a:t>‹#›</a:t>
             </a:fld>
             <a:endParaRPr lang="en-US" dirty="0"/>
           </a:p>
@@ -8098,8 +8103,119 @@
           <a:bodyPr rtlCol="0" anchor="ctr"/>
           <a:lstStyle/>
           <a:p>
-            <a:pPr algn="ctr"/>
-            <a:endParaRPr lang="de-DE"/>
+            <a:r>
+              <a:rPr lang="en-US" sz="1400" dirty="0">
+                <a:latin typeface="Arial" panose="020B0604020202020204" pitchFamily="34" charset="0"/>
+                <a:cs typeface="Arial" panose="020B0604020202020204" pitchFamily="34" charset="0"/>
+              </a:rPr>
+              <a:t>$grids: 3; </a:t>
+            </a:r>
+          </a:p>
+          <a:p>
+            <a:br>
+              <a:rPr lang="en-US" sz="1400" dirty="0">
+                <a:latin typeface="Arial" panose="020B0604020202020204" pitchFamily="34" charset="0"/>
+                <a:cs typeface="Arial" panose="020B0604020202020204" pitchFamily="34" charset="0"/>
+              </a:rPr>
+            </a:br>
+            <a:br>
+              <a:rPr lang="en-US" sz="1400" dirty="0">
+                <a:latin typeface="Arial" panose="020B0604020202020204" pitchFamily="34" charset="0"/>
+                <a:cs typeface="Arial" panose="020B0604020202020204" pitchFamily="34" charset="0"/>
+              </a:rPr>
+            </a:br>
+            <a:r>
+              <a:rPr lang="en-US" sz="1400" dirty="0">
+                <a:latin typeface="Arial" panose="020B0604020202020204" pitchFamily="34" charset="0"/>
+                <a:cs typeface="Arial" panose="020B0604020202020204" pitchFamily="34" charset="0"/>
+              </a:rPr>
+              <a:t>@for $</a:t>
+            </a:r>
+            <a:r>
+              <a:rPr lang="en-US" sz="1400" dirty="0" err="1">
+                <a:latin typeface="Arial" panose="020B0604020202020204" pitchFamily="34" charset="0"/>
+                <a:cs typeface="Arial" panose="020B0604020202020204" pitchFamily="34" charset="0"/>
+              </a:rPr>
+              <a:t>i</a:t>
+            </a:r>
+            <a:r>
+              <a:rPr lang="en-US" sz="1400" dirty="0">
+                <a:latin typeface="Arial" panose="020B0604020202020204" pitchFamily="34" charset="0"/>
+                <a:cs typeface="Arial" panose="020B0604020202020204" pitchFamily="34" charset="0"/>
+              </a:rPr>
+              <a:t> from 1 through $grids {       </a:t>
+            </a:r>
+          </a:p>
+          <a:p>
+            <a:r>
+              <a:rPr lang="en-US" sz="1400" dirty="0">
+                <a:latin typeface="Arial" panose="020B0604020202020204" pitchFamily="34" charset="0"/>
+                <a:cs typeface="Arial" panose="020B0604020202020204" pitchFamily="34" charset="0"/>
+              </a:rPr>
+              <a:t>     .grid#{$</a:t>
+            </a:r>
+            <a:r>
+              <a:rPr lang="en-US" sz="1400" dirty="0" err="1">
+                <a:latin typeface="Arial" panose="020B0604020202020204" pitchFamily="34" charset="0"/>
+                <a:cs typeface="Arial" panose="020B0604020202020204" pitchFamily="34" charset="0"/>
+              </a:rPr>
+              <a:t>i</a:t>
+            </a:r>
+            <a:r>
+              <a:rPr lang="en-US" sz="1400" dirty="0">
+                <a:latin typeface="Arial" panose="020B0604020202020204" pitchFamily="34" charset="0"/>
+                <a:cs typeface="Arial" panose="020B0604020202020204" pitchFamily="34" charset="0"/>
+              </a:rPr>
+              <a:t>} { </a:t>
+            </a:r>
+          </a:p>
+          <a:p>
+            <a:r>
+              <a:rPr lang="en-US" sz="1400" dirty="0">
+                <a:latin typeface="Arial" panose="020B0604020202020204" pitchFamily="34" charset="0"/>
+                <a:cs typeface="Arial" panose="020B0604020202020204" pitchFamily="34" charset="0"/>
+              </a:rPr>
+              <a:t>          @include grid-span($</a:t>
+            </a:r>
+            <a:r>
+              <a:rPr lang="en-US" sz="1400" dirty="0" err="1">
+                <a:latin typeface="Arial" panose="020B0604020202020204" pitchFamily="34" charset="0"/>
+                <a:cs typeface="Arial" panose="020B0604020202020204" pitchFamily="34" charset="0"/>
+              </a:rPr>
+              <a:t>i</a:t>
+            </a:r>
+            <a:r>
+              <a:rPr lang="en-US" sz="1400" dirty="0">
+                <a:latin typeface="Arial" panose="020B0604020202020204" pitchFamily="34" charset="0"/>
+                <a:cs typeface="Arial" panose="020B0604020202020204" pitchFamily="34" charset="0"/>
+              </a:rPr>
+              <a:t>); </a:t>
+            </a:r>
+          </a:p>
+          <a:p>
+            <a:r>
+              <a:rPr lang="en-US" sz="1400" dirty="0">
+                <a:latin typeface="Arial" panose="020B0604020202020204" pitchFamily="34" charset="0"/>
+                <a:cs typeface="Arial" panose="020B0604020202020204" pitchFamily="34" charset="0"/>
+              </a:rPr>
+              <a:t>     }</a:t>
+            </a:r>
+          </a:p>
+          <a:p>
+            <a:r>
+              <a:rPr lang="en-US" sz="1400" dirty="0">
+                <a:latin typeface="Arial" panose="020B0604020202020204" pitchFamily="34" charset="0"/>
+                <a:cs typeface="Arial" panose="020B0604020202020204" pitchFamily="34" charset="0"/>
+              </a:rPr>
+              <a:t>}</a:t>
+            </a:r>
+            <a:r>
+              <a:rPr lang="en-US" dirty="0"/>
+              <a:t> </a:t>
+            </a:r>
+            <a:endParaRPr lang="en-US" dirty="0">
+              <a:effectLst/>
+            </a:endParaRPr>
           </a:p>
         </p:txBody>
       </p:sp>
@@ -8143,7 +8259,68 @@
           <a:lstStyle/>
           <a:p>
             <a:pPr algn="ctr"/>
-            <a:endParaRPr lang="de-DE"/>
+            <a:r>
+              <a:rPr lang="en-US" sz="1400" dirty="0">
+                <a:latin typeface="Arial" panose="020B0604020202020204" pitchFamily="34" charset="0"/>
+                <a:cs typeface="Arial" panose="020B0604020202020204" pitchFamily="34" charset="0"/>
+              </a:rPr>
+              <a:t>.grid1 </a:t>
+            </a:r>
+            <a:r>
+              <a:rPr lang="en-US" sz="1400">
+                <a:latin typeface="Arial" panose="020B0604020202020204" pitchFamily="34" charset="0"/>
+                <a:cs typeface="Arial" panose="020B0604020202020204" pitchFamily="34" charset="0"/>
+              </a:rPr>
+              <a:t>{ width</a:t>
+            </a:r>
+            <a:r>
+              <a:rPr lang="en-US" sz="1400" dirty="0">
+                <a:latin typeface="Arial" panose="020B0604020202020204" pitchFamily="34" charset="0"/>
+                <a:cs typeface="Arial" panose="020B0604020202020204" pitchFamily="34" charset="0"/>
+              </a:rPr>
+              <a:t>: 8.33333%; clear: right; float: left; padding- left: 6px; padding-right: 6px; } </a:t>
+            </a:r>
+          </a:p>
+          <a:p>
+            <a:pPr algn="ctr"/>
+            <a:endParaRPr lang="en-US" sz="1400" dirty="0">
+              <a:latin typeface="Arial" panose="020B0604020202020204" pitchFamily="34" charset="0"/>
+              <a:cs typeface="Arial" panose="020B0604020202020204" pitchFamily="34" charset="0"/>
+            </a:endParaRPr>
+          </a:p>
+          <a:p>
+            <a:pPr algn="ctr"/>
+            <a:r>
+              <a:rPr lang="en-US" sz="1400" dirty="0">
+                <a:latin typeface="Arial" panose="020B0604020202020204" pitchFamily="34" charset="0"/>
+                <a:cs typeface="Arial" panose="020B0604020202020204" pitchFamily="34" charset="0"/>
+              </a:rPr>
+              <a:t>.grid2 { width: 16.66667%; clear: right; float: left; padding-left: 6px; padding- right: 6px; } </a:t>
+            </a:r>
+          </a:p>
+          <a:p>
+            <a:pPr algn="ctr"/>
+            <a:endParaRPr lang="en-US" sz="1400" dirty="0">
+              <a:latin typeface="Arial" panose="020B0604020202020204" pitchFamily="34" charset="0"/>
+              <a:cs typeface="Arial" panose="020B0604020202020204" pitchFamily="34" charset="0"/>
+            </a:endParaRPr>
+          </a:p>
+          <a:p>
+            <a:pPr algn="ctr"/>
+            <a:r>
+              <a:rPr lang="en-US" sz="1400" dirty="0">
+                <a:latin typeface="Arial" panose="020B0604020202020204" pitchFamily="34" charset="0"/>
+                <a:cs typeface="Arial" panose="020B0604020202020204" pitchFamily="34" charset="0"/>
+              </a:rPr>
+              <a:t>.grid3 { width: 25%; clear: right; float: left; padding- left: 6px; padding-right: 6px; } </a:t>
+            </a:r>
+          </a:p>
+          <a:p>
+            <a:pPr algn="ctr"/>
+            <a:endParaRPr lang="de-DE" sz="1400" dirty="0">
+              <a:latin typeface="Arial" panose="020B0604020202020204" pitchFamily="34" charset="0"/>
+              <a:cs typeface="Arial" panose="020B0604020202020204" pitchFamily="34" charset="0"/>
+            </a:endParaRPr>
           </a:p>
         </p:txBody>
       </p:sp>
